--- a/CKD.pptx
+++ b/CKD.pptx
@@ -4887,7 +4887,12 @@
             <p:ph type="title"/>
           </p:nvPr>
         </p:nvSpPr>
-        <p:spPr/>
+        <p:spPr>
+          <a:xfrm>
+            <a:off x="457199" y="152718"/>
+            <a:ext cx="7347593" cy="1371600"/>
+          </a:xfrm>
+        </p:spPr>
         <p:txBody>
           <a:bodyPr/>
           <a:lstStyle/>
@@ -4897,7 +4902,21 @@
                 <a:latin typeface="Helvetica"/>
                 <a:cs typeface="Helvetica"/>
               </a:rPr>
-              <a:t>Logistic Regression Model</a:t>
+              <a:t>Multiple </a:t>
+            </a:r>
+            <a:r>
+              <a:rPr lang="en-US" cap="none" dirty="0" smtClean="0">
+                <a:latin typeface="Helvetica"/>
+                <a:cs typeface="Helvetica"/>
+              </a:rPr>
+              <a:t>Linear </a:t>
+            </a:r>
+            <a:r>
+              <a:rPr lang="en-US" cap="none" dirty="0" smtClean="0">
+                <a:latin typeface="Helvetica"/>
+                <a:cs typeface="Helvetica"/>
+              </a:rPr>
+              <a:t>Regression Model</a:t>
             </a:r>
             <a:endParaRPr lang="en-US" cap="none" dirty="0">
               <a:latin typeface="Helvetica"/>
@@ -5009,14 +5028,7 @@
                 <a:latin typeface="Helvetica"/>
                 <a:cs typeface="Helvetica"/>
               </a:rPr>
-              <a:t>Importance </a:t>
-            </a:r>
-            <a:r>
-              <a:rPr lang="en-US" cap="none" dirty="0" smtClean="0">
-                <a:latin typeface="Helvetica"/>
-                <a:cs typeface="Helvetica"/>
-              </a:rPr>
-              <a:t>of Research</a:t>
+              <a:t>Importance of Research</a:t>
             </a:r>
             <a:endParaRPr lang="en-US" cap="none" dirty="0">
               <a:latin typeface="Helvetica"/>

--- a/CKD.pptx
+++ b/CKD.pptx
@@ -8,9 +8,9 @@
     <p:notesMasterId r:id="rId7"/>
   </p:notesMasterIdLst>
   <p:sldIdLst>
-    <p:sldId id="257" r:id="rId2"/>
-    <p:sldId id="258" r:id="rId3"/>
-    <p:sldId id="259" r:id="rId4"/>
+    <p:sldId id="262" r:id="rId2"/>
+    <p:sldId id="257" r:id="rId3"/>
+    <p:sldId id="258" r:id="rId4"/>
     <p:sldId id="260" r:id="rId5"/>
     <p:sldId id="261" r:id="rId6"/>
   </p:sldIdLst>
@@ -196,7 +196,7 @@
           <a:p>
             <a:fld id="{757C6D9A-C4F1-A34C-B442-9C9B31561523}" type="datetimeFigureOut">
               <a:rPr lang="en-US" smtClean="0"/>
-              <a:t>7/16/16</a:t>
+              <a:t>7/18/16</a:t>
             </a:fld>
             <a:endParaRPr lang="es-ES_tradnl"/>
           </a:p>
@@ -545,7 +545,7 @@
           <a:p>
             <a:fld id="{607A2101-C1D3-9044-A7A2-1759B843AD64}" type="slidenum">
               <a:rPr lang="es-ES_tradnl" smtClean="0"/>
-              <a:t>1</a:t>
+              <a:t>2</a:t>
             </a:fld>
             <a:endParaRPr lang="es-ES_tradnl"/>
           </a:p>
@@ -649,7 +649,7 @@
           <a:p>
             <a:fld id="{607A2101-C1D3-9044-A7A2-1759B843AD64}" type="slidenum">
               <a:rPr lang="es-ES_tradnl" smtClean="0"/>
-              <a:t>2</a:t>
+              <a:t>3</a:t>
             </a:fld>
             <a:endParaRPr lang="es-ES_tradnl"/>
           </a:p>
@@ -713,106 +713,6 @@
           <a:lstStyle/>
           <a:p>
             <a:r>
-              <a:rPr lang="en-US" baseline="0" noProof="0" dirty="0" smtClean="0"/>
-              <a:t>for a broad public health survey we are looking at these types of question</a:t>
-            </a:r>
-            <a:r>
-              <a:rPr lang="is-IS" baseline="0" noProof="0" dirty="0" smtClean="0"/>
-              <a:t>…. </a:t>
-            </a:r>
-            <a:r>
-              <a:rPr lang="en-US" baseline="0" noProof="0" dirty="0" smtClean="0"/>
-              <a:t>T</a:t>
-            </a:r>
-            <a:r>
-              <a:rPr lang="is-IS" baseline="0" noProof="0" dirty="0" smtClean="0"/>
-              <a:t>he third especially in our case</a:t>
-            </a:r>
-            <a:endParaRPr lang="es-ES_tradnl" dirty="0"/>
-          </a:p>
-        </p:txBody>
-      </p:sp>
-      <p:sp>
-        <p:nvSpPr>
-          <p:cNvPr id="4" name="Slide Number Placeholder 3"/>
-          <p:cNvSpPr>
-            <a:spLocks noGrp="1"/>
-          </p:cNvSpPr>
-          <p:nvPr>
-            <p:ph type="sldNum" sz="quarter" idx="10"/>
-          </p:nvPr>
-        </p:nvSpPr>
-        <p:spPr/>
-        <p:txBody>
-          <a:bodyPr/>
-          <a:lstStyle/>
-          <a:p>
-            <a:fld id="{607A2101-C1D3-9044-A7A2-1759B843AD64}" type="slidenum">
-              <a:rPr lang="es-ES_tradnl" smtClean="0"/>
-              <a:t>3</a:t>
-            </a:fld>
-            <a:endParaRPr lang="es-ES_tradnl"/>
-          </a:p>
-        </p:txBody>
-      </p:sp>
-    </p:spTree>
-    <p:extLst>
-      <p:ext uri="{BB962C8B-B14F-4D97-AF65-F5344CB8AC3E}">
-        <p14:creationId xmlns:p14="http://schemas.microsoft.com/office/powerpoint/2010/main" val="457947790"/>
-      </p:ext>
-    </p:extLst>
-  </p:cSld>
-  <p:clrMapOvr>
-    <a:masterClrMapping/>
-  </p:clrMapOvr>
-</p:notes>
-</file>
-
-<file path=ppt/notesSlides/notesSlide4.xml><?xml version="1.0" encoding="utf-8"?>
-<p:notes xmlns:a="http://schemas.openxmlformats.org/drawingml/2006/main" xmlns:r="http://schemas.openxmlformats.org/officeDocument/2006/relationships" xmlns:p="http://schemas.openxmlformats.org/presentationml/2006/main">
-  <p:cSld>
-    <p:spTree>
-      <p:nvGrpSpPr>
-        <p:cNvPr id="1" name=""/>
-        <p:cNvGrpSpPr/>
-        <p:nvPr/>
-      </p:nvGrpSpPr>
-      <p:grpSpPr>
-        <a:xfrm>
-          <a:off x="0" y="0"/>
-          <a:ext cx="0" cy="0"/>
-          <a:chOff x="0" y="0"/>
-          <a:chExt cx="0" cy="0"/>
-        </a:xfrm>
-      </p:grpSpPr>
-      <p:sp>
-        <p:nvSpPr>
-          <p:cNvPr id="2" name="Slide Image Placeholder 1"/>
-          <p:cNvSpPr>
-            <a:spLocks noGrp="1" noRot="1" noChangeAspect="1"/>
-          </p:cNvSpPr>
-          <p:nvPr>
-            <p:ph type="sldImg"/>
-          </p:nvPr>
-        </p:nvSpPr>
-        <p:spPr/>
-      </p:sp>
-      <p:sp>
-        <p:nvSpPr>
-          <p:cNvPr id="3" name="Notes Placeholder 2"/>
-          <p:cNvSpPr>
-            <a:spLocks noGrp="1"/>
-          </p:cNvSpPr>
-          <p:nvPr>
-            <p:ph type="body" idx="1"/>
-          </p:nvPr>
-        </p:nvSpPr>
-        <p:spPr/>
-        <p:txBody>
-          <a:bodyPr/>
-          <a:lstStyle/>
-          <a:p>
-            <a:r>
               <a:rPr lang="en-US" noProof="0" dirty="0" smtClean="0"/>
               <a:t>Talk</a:t>
             </a:r>
@@ -868,7 +768,7 @@
 </p:notes>
 </file>
 
-<file path=ppt/notesSlides/notesSlide5.xml><?xml version="1.0" encoding="utf-8"?>
+<file path=ppt/notesSlides/notesSlide4.xml><?xml version="1.0" encoding="utf-8"?>
 <p:notes xmlns:a="http://schemas.openxmlformats.org/drawingml/2006/main" xmlns:r="http://schemas.openxmlformats.org/officeDocument/2006/relationships" xmlns:p="http://schemas.openxmlformats.org/presentationml/2006/main">
   <p:cSld>
     <p:spTree>
@@ -1161,7 +1061,7 @@
           <a:p>
             <a:fld id="{E6C434CF-CDA4-5341-A3E9-7A3150F707B2}" type="datetimeFigureOut">
               <a:rPr lang="en-US" smtClean="0"/>
-              <a:t>7/16/16</a:t>
+              <a:t>7/18/16</a:t>
             </a:fld>
             <a:endParaRPr lang="es-ES_tradnl" dirty="0"/>
           </a:p>
@@ -1426,7 +1326,7 @@
           <a:p>
             <a:fld id="{E6C434CF-CDA4-5341-A3E9-7A3150F707B2}" type="datetimeFigureOut">
               <a:rPr lang="en-US" smtClean="0"/>
-              <a:t>7/16/16</a:t>
+              <a:t>7/18/16</a:t>
             </a:fld>
             <a:endParaRPr lang="es-ES_tradnl" dirty="0"/>
           </a:p>
@@ -1601,7 +1501,7 @@
           <a:p>
             <a:fld id="{E6C434CF-CDA4-5341-A3E9-7A3150F707B2}" type="datetimeFigureOut">
               <a:rPr lang="en-US" smtClean="0"/>
-              <a:t>7/16/16</a:t>
+              <a:t>7/18/16</a:t>
             </a:fld>
             <a:endParaRPr lang="es-ES_tradnl" dirty="0"/>
           </a:p>
@@ -1766,7 +1666,7 @@
           <a:p>
             <a:fld id="{E6C434CF-CDA4-5341-A3E9-7A3150F707B2}" type="datetimeFigureOut">
               <a:rPr lang="en-US" smtClean="0"/>
-              <a:t>7/16/16</a:t>
+              <a:t>7/18/16</a:t>
             </a:fld>
             <a:endParaRPr lang="es-ES_tradnl" dirty="0"/>
           </a:p>
@@ -2015,7 +1915,7 @@
           <a:p>
             <a:fld id="{E6C434CF-CDA4-5341-A3E9-7A3150F707B2}" type="datetimeFigureOut">
               <a:rPr lang="en-US" smtClean="0"/>
-              <a:t>7/16/16</a:t>
+              <a:t>7/18/16</a:t>
             </a:fld>
             <a:endParaRPr lang="es-ES_tradnl" dirty="0"/>
           </a:p>
@@ -2298,7 +2198,7 @@
           <a:p>
             <a:fld id="{E6C434CF-CDA4-5341-A3E9-7A3150F707B2}" type="datetimeFigureOut">
               <a:rPr lang="en-US" smtClean="0"/>
-              <a:t>7/16/16</a:t>
+              <a:t>7/18/16</a:t>
             </a:fld>
             <a:endParaRPr lang="es-ES_tradnl" dirty="0"/>
           </a:p>
@@ -2737,7 +2637,7 @@
           <a:p>
             <a:fld id="{E6C434CF-CDA4-5341-A3E9-7A3150F707B2}" type="datetimeFigureOut">
               <a:rPr lang="en-US" smtClean="0"/>
-              <a:t>7/16/16</a:t>
+              <a:t>7/18/16</a:t>
             </a:fld>
             <a:endParaRPr lang="es-ES_tradnl" dirty="0"/>
           </a:p>
@@ -2850,7 +2750,7 @@
           <a:p>
             <a:fld id="{E6C434CF-CDA4-5341-A3E9-7A3150F707B2}" type="datetimeFigureOut">
               <a:rPr lang="en-US" smtClean="0"/>
-              <a:t>7/16/16</a:t>
+              <a:t>7/18/16</a:t>
             </a:fld>
             <a:endParaRPr lang="es-ES_tradnl" dirty="0"/>
           </a:p>
@@ -2940,7 +2840,7 @@
           <a:p>
             <a:fld id="{E6C434CF-CDA4-5341-A3E9-7A3150F707B2}" type="datetimeFigureOut">
               <a:rPr lang="en-US" smtClean="0"/>
-              <a:t>7/16/16</a:t>
+              <a:t>7/18/16</a:t>
             </a:fld>
             <a:endParaRPr lang="es-ES_tradnl" dirty="0"/>
           </a:p>
@@ -3182,7 +3082,7 @@
           <a:p>
             <a:fld id="{E6C434CF-CDA4-5341-A3E9-7A3150F707B2}" type="datetimeFigureOut">
               <a:rPr lang="en-US" smtClean="0"/>
-              <a:t>7/16/16</a:t>
+              <a:t>7/18/16</a:t>
             </a:fld>
             <a:endParaRPr lang="es-ES_tradnl" dirty="0"/>
           </a:p>
@@ -3476,7 +3376,7 @@
           <a:p>
             <a:fld id="{E6C434CF-CDA4-5341-A3E9-7A3150F707B2}" type="datetimeFigureOut">
               <a:rPr lang="en-US" smtClean="0"/>
-              <a:t>7/16/16</a:t>
+              <a:t>7/18/16</a:t>
             </a:fld>
             <a:endParaRPr lang="es-ES_tradnl" dirty="0"/>
           </a:p>
@@ -3770,7 +3670,7 @@
           <a:p>
             <a:fld id="{E6C434CF-CDA4-5341-A3E9-7A3150F707B2}" type="datetimeFigureOut">
               <a:rPr lang="en-US" smtClean="0"/>
-              <a:t>7/16/16</a:t>
+              <a:t>7/18/16</a:t>
             </a:fld>
             <a:endParaRPr lang="es-ES_tradnl" dirty="0"/>
           </a:p>
@@ -4265,19 +4165,27 @@
             <p:ph type="title"/>
           </p:nvPr>
         </p:nvSpPr>
-        <p:spPr/>
-        <p:txBody>
-          <a:bodyPr/>
-          <a:lstStyle/>
-          <a:p>
-            <a:r>
-              <a:rPr lang="en-US" cap="none" dirty="0" smtClean="0">
+        <p:spPr>
+          <a:xfrm>
+            <a:off x="457199" y="2355996"/>
+            <a:ext cx="8126023" cy="1352137"/>
+          </a:xfrm>
+        </p:spPr>
+        <p:txBody>
+          <a:bodyPr>
+            <a:normAutofit/>
+          </a:bodyPr>
+          <a:lstStyle/>
+          <a:p>
+            <a:pPr algn="ctr"/>
+            <a:r>
+              <a:rPr lang="en-US" sz="3200" cap="none" dirty="0" smtClean="0">
                 <a:latin typeface="Helvetica"/>
                 <a:cs typeface="Helvetica"/>
               </a:rPr>
-              <a:t>Survey Package in R</a:t>
-            </a:r>
-            <a:endParaRPr lang="en-US" cap="none" dirty="0">
+              <a:t>Predicting CKD And Potential Risk Factors With Multiple Linear Regression</a:t>
+            </a:r>
+            <a:endParaRPr lang="en-US" sz="3200" cap="none" dirty="0">
               <a:latin typeface="Helvetica"/>
               <a:cs typeface="Helvetica"/>
             </a:endParaRPr>
@@ -4296,248 +4204,43 @@
         </p:nvSpPr>
         <p:spPr>
           <a:xfrm>
-            <a:off x="457200" y="2009531"/>
-            <a:ext cx="8229600" cy="1914744"/>
+            <a:off x="784960" y="5091970"/>
+            <a:ext cx="7620000" cy="480475"/>
           </a:xfrm>
         </p:spPr>
         <p:txBody>
-          <a:bodyPr>
-            <a:normAutofit fontScale="92500" lnSpcReduction="20000"/>
-          </a:bodyPr>
-          <a:lstStyle/>
-          <a:p>
-            <a:pPr marL="0" indent="0" algn="ctr">
-              <a:buNone/>
-            </a:pPr>
-            <a:endParaRPr lang="en-US" sz="2000" b="0" dirty="0">
-              <a:latin typeface="Helvetica"/>
-              <a:cs typeface="Helvetica"/>
-            </a:endParaRPr>
-          </a:p>
-          <a:p>
-            <a:pPr marL="0" indent="0" algn="ctr">
-              <a:buNone/>
-            </a:pPr>
-            <a:endParaRPr lang="en-US" sz="2000" b="0" dirty="0" smtClean="0">
-              <a:latin typeface="Helvetica"/>
-              <a:cs typeface="Helvetica"/>
-            </a:endParaRPr>
-          </a:p>
-          <a:p>
-            <a:pPr marL="0" indent="0" algn="ctr">
-              <a:buNone/>
-            </a:pPr>
-            <a:r>
-              <a:rPr lang="es-ES_tradnl" sz="2000" b="0" dirty="0" err="1">
-                <a:latin typeface="Helvetica"/>
-                <a:cs typeface="Helvetica"/>
-              </a:rPr>
-              <a:t>d</a:t>
-            </a:r>
-            <a:r>
-              <a:rPr lang="es-ES_tradnl" sz="2000" b="0" dirty="0" err="1" smtClean="0">
-                <a:latin typeface="Helvetica"/>
-                <a:cs typeface="Helvetica"/>
-              </a:rPr>
-              <a:t>esign</a:t>
-            </a:r>
-            <a:r>
-              <a:rPr lang="es-ES_tradnl" sz="2000" b="0" dirty="0" smtClean="0">
-                <a:latin typeface="Helvetica"/>
-                <a:cs typeface="Helvetica"/>
-              </a:rPr>
-              <a:t> = </a:t>
-            </a:r>
-            <a:r>
-              <a:rPr lang="es-ES_tradnl" sz="2000" b="0" dirty="0" err="1" smtClean="0">
-                <a:latin typeface="Helvetica"/>
-                <a:cs typeface="Helvetica"/>
-              </a:rPr>
-              <a:t>svydesign</a:t>
-            </a:r>
-            <a:r>
-              <a:rPr lang="es-ES_tradnl" sz="2000" b="0" dirty="0" smtClean="0">
-                <a:latin typeface="Helvetica"/>
-                <a:cs typeface="Helvetica"/>
-              </a:rPr>
-              <a:t>(</a:t>
-            </a:r>
-            <a:r>
-              <a:rPr lang="de-DE" sz="2000" b="0" dirty="0" smtClean="0">
-                <a:latin typeface="Helvetica"/>
-                <a:cs typeface="Helvetica"/>
-              </a:rPr>
-              <a:t> </a:t>
-            </a:r>
-            <a:r>
-              <a:rPr lang="de-DE" sz="2000" b="0" dirty="0" err="1">
-                <a:latin typeface="Helvetica"/>
-                <a:cs typeface="Helvetica"/>
-              </a:rPr>
-              <a:t>ids</a:t>
-            </a:r>
-            <a:r>
-              <a:rPr lang="de-DE" sz="2000" b="0" dirty="0">
-                <a:latin typeface="Helvetica"/>
-                <a:cs typeface="Helvetica"/>
-              </a:rPr>
-              <a:t> = </a:t>
-            </a:r>
-            <a:r>
-              <a:rPr lang="de-DE" sz="2000" b="0" dirty="0" smtClean="0">
-                <a:latin typeface="Helvetica"/>
-                <a:cs typeface="Helvetica"/>
-              </a:rPr>
-              <a:t>~</a:t>
-            </a:r>
-            <a:r>
-              <a:rPr lang="de-DE" sz="2000" dirty="0" smtClean="0">
-                <a:latin typeface="Helvetica"/>
-                <a:cs typeface="Helvetica"/>
-              </a:rPr>
-              <a:t>SDMVPSU</a:t>
-            </a:r>
-            <a:r>
-              <a:rPr lang="de-DE" sz="2000" b="0" dirty="0" smtClean="0">
-                <a:latin typeface="Helvetica"/>
-                <a:cs typeface="Helvetica"/>
-              </a:rPr>
-              <a:t> , </a:t>
-            </a:r>
-            <a:r>
-              <a:rPr lang="de-DE" sz="2000" b="0" dirty="0" err="1">
-                <a:latin typeface="Helvetica"/>
-                <a:cs typeface="Helvetica"/>
-              </a:rPr>
-              <a:t>strata</a:t>
-            </a:r>
-            <a:r>
-              <a:rPr lang="de-DE" sz="2000" b="0" dirty="0">
-                <a:latin typeface="Helvetica"/>
-                <a:cs typeface="Helvetica"/>
-              </a:rPr>
-              <a:t> = ~</a:t>
-            </a:r>
-            <a:r>
-              <a:rPr lang="de-DE" sz="2000" dirty="0">
-                <a:latin typeface="Helvetica"/>
-                <a:cs typeface="Helvetica"/>
-              </a:rPr>
-              <a:t>SDMVSTRA</a:t>
-            </a:r>
-            <a:r>
-              <a:rPr lang="de-DE" sz="2000" b="0" dirty="0">
-                <a:latin typeface="Helvetica"/>
-                <a:cs typeface="Helvetica"/>
-              </a:rPr>
-              <a:t> </a:t>
-            </a:r>
-            <a:r>
-              <a:rPr lang="de-DE" sz="2000" b="0" dirty="0" smtClean="0">
-                <a:latin typeface="Helvetica"/>
-                <a:cs typeface="Helvetica"/>
-              </a:rPr>
-              <a:t>,</a:t>
-            </a:r>
-          </a:p>
-          <a:p>
-            <a:pPr marL="0" indent="0" algn="ctr">
-              <a:buNone/>
-            </a:pPr>
-            <a:endParaRPr lang="de-DE" sz="2000" b="0" dirty="0">
-              <a:latin typeface="Helvetica"/>
-              <a:cs typeface="Helvetica"/>
-            </a:endParaRPr>
-          </a:p>
-          <a:p>
-            <a:pPr marL="0" indent="0" algn="ctr">
-              <a:buNone/>
-            </a:pPr>
-            <a:r>
-              <a:rPr lang="ro-RO" sz="2000" b="0" dirty="0" smtClean="0">
-                <a:latin typeface="Helvetica"/>
-                <a:cs typeface="Helvetica"/>
-              </a:rPr>
-              <a:t> nest=</a:t>
-            </a:r>
-            <a:r>
-              <a:rPr lang="ro-RO" sz="2000" dirty="0" smtClean="0">
-                <a:latin typeface="Helvetica"/>
-                <a:cs typeface="Helvetica"/>
-              </a:rPr>
-              <a:t>TRUE</a:t>
-            </a:r>
-            <a:r>
-              <a:rPr lang="ro-RO" sz="2000" b="0" dirty="0" smtClean="0">
-                <a:latin typeface="Helvetica"/>
-                <a:cs typeface="Helvetica"/>
-              </a:rPr>
-              <a:t> , weights =~</a:t>
-            </a:r>
-            <a:r>
-              <a:rPr lang="ro-RO" sz="2000" dirty="0">
-                <a:latin typeface="Helvetica"/>
-                <a:cs typeface="Helvetica"/>
-              </a:rPr>
-              <a:t>WTMEC_1</a:t>
-            </a:r>
-            <a:r>
-              <a:rPr lang="ro-RO" sz="2000" b="0" dirty="0" smtClean="0">
-                <a:latin typeface="Helvetica"/>
-                <a:cs typeface="Helvetica"/>
-              </a:rPr>
-              <a:t>, </a:t>
-            </a:r>
-            <a:r>
-              <a:rPr lang="ro-RO" sz="2000" b="0" dirty="0">
-                <a:latin typeface="Helvetica"/>
-                <a:cs typeface="Helvetica"/>
-              </a:rPr>
-              <a:t>data = </a:t>
-            </a:r>
-            <a:r>
-              <a:rPr lang="ro-RO" sz="2000" dirty="0" smtClean="0">
-                <a:latin typeface="Helvetica"/>
-                <a:cs typeface="Helvetica"/>
-              </a:rPr>
-              <a:t>NHANES</a:t>
-            </a:r>
-            <a:r>
-              <a:rPr lang="is-IS" sz="2000" b="0" dirty="0" smtClean="0">
-                <a:latin typeface="Helvetica"/>
-                <a:cs typeface="Helvetica"/>
-              </a:rPr>
-              <a:t>)</a:t>
-            </a:r>
-            <a:endParaRPr lang="en-US" sz="2000" b="0" dirty="0" smtClean="0">
-              <a:latin typeface="Helvetica"/>
-              <a:cs typeface="Helvetica"/>
-            </a:endParaRPr>
-          </a:p>
-          <a:p>
-            <a:pPr marL="0" indent="0" algn="ctr">
-              <a:buNone/>
-            </a:pPr>
-            <a:endParaRPr lang="en-US" sz="2000" b="0" dirty="0">
-              <a:latin typeface="Helvetica"/>
-              <a:cs typeface="Helvetica"/>
-            </a:endParaRPr>
-          </a:p>
-          <a:p>
-            <a:pPr marL="0" indent="0" algn="ctr">
-              <a:buNone/>
-            </a:pPr>
-            <a:endParaRPr lang="en-US" sz="2000" b="0" dirty="0">
-              <a:latin typeface="Helvetica"/>
-              <a:cs typeface="Helvetica"/>
-            </a:endParaRPr>
+          <a:bodyPr/>
+          <a:lstStyle/>
+          <a:p>
+            <a:pPr algn="ctr"/>
+            <a:r>
+              <a:rPr lang="en-US" dirty="0" smtClean="0"/>
+              <a:t>Gabriel </a:t>
+            </a:r>
+            <a:r>
+              <a:rPr lang="en-US" dirty="0" err="1" smtClean="0"/>
+              <a:t>Goulart</a:t>
+            </a:r>
+            <a:r>
+              <a:rPr lang="en-US" dirty="0" smtClean="0"/>
+              <a:t>, Nicholas </a:t>
+            </a:r>
+            <a:r>
+              <a:rPr lang="en-US" dirty="0" err="1" smtClean="0"/>
+              <a:t>Hertle</a:t>
+            </a:r>
+            <a:r>
+              <a:rPr lang="en-US" dirty="0" smtClean="0"/>
+              <a:t>, Lydia Lucchesi</a:t>
+            </a:r>
+            <a:endParaRPr lang="en-US" dirty="0"/>
           </a:p>
         </p:txBody>
       </p:sp>
     </p:spTree>
     <p:extLst>
       <p:ext uri="{BB962C8B-B14F-4D97-AF65-F5344CB8AC3E}">
-        <p14:creationId xmlns:p14="http://schemas.microsoft.com/office/powerpoint/2010/main" val="1059733425"/>
+        <p14:creationId xmlns:p14="http://schemas.microsoft.com/office/powerpoint/2010/main" val="654791584"/>
       </p:ext>
     </p:extLst>
   </p:cSld>
@@ -4566,70 +4269,289 @@
       </p:grpSpPr>
       <p:sp>
         <p:nvSpPr>
-          <p:cNvPr id="3" name="Content Placeholder 2"/>
-          <p:cNvSpPr>
-            <a:spLocks noGrp="1"/>
-          </p:cNvSpPr>
-          <p:nvPr>
-            <p:ph idx="1"/>
-          </p:nvPr>
-        </p:nvSpPr>
-        <p:spPr>
-          <a:xfrm>
-            <a:off x="457200" y="3184917"/>
-            <a:ext cx="2468153" cy="1084201"/>
-          </a:xfrm>
-        </p:spPr>
-        <p:txBody>
-          <a:bodyPr/>
-          <a:lstStyle/>
-          <a:p>
-            <a:pPr marL="0" indent="0">
-              <a:buNone/>
-            </a:pPr>
-            <a:r>
-              <a:rPr lang="en-US" dirty="0" smtClean="0">
+          <p:cNvPr id="2" name="Title 1"/>
+          <p:cNvSpPr>
+            <a:spLocks noGrp="1"/>
+          </p:cNvSpPr>
+          <p:nvPr>
+            <p:ph type="title"/>
+          </p:nvPr>
+        </p:nvSpPr>
+        <p:spPr/>
+        <p:txBody>
+          <a:bodyPr/>
+          <a:lstStyle/>
+          <a:p>
+            <a:r>
+              <a:rPr lang="en-US" cap="none" dirty="0" smtClean="0">
                 <a:latin typeface="Helvetica"/>
                 <a:cs typeface="Helvetica"/>
               </a:rPr>
-              <a:t>Clear</a:t>
-            </a:r>
-            <a:r>
-              <a:rPr lang="en-US" b="0" dirty="0" smtClean="0">
-                <a:latin typeface="Helvetica"/>
-                <a:cs typeface="Helvetica"/>
-              </a:rPr>
-              <a:t> and </a:t>
-            </a:r>
-          </a:p>
-          <a:p>
-            <a:pPr marL="0" indent="0">
-              <a:buNone/>
-            </a:pPr>
-            <a:r>
-              <a:rPr lang="en-US" dirty="0" smtClean="0">
-                <a:latin typeface="Helvetica"/>
-                <a:cs typeface="Helvetica"/>
-              </a:rPr>
-              <a:t>immediate</a:t>
-            </a:r>
-            <a:r>
-              <a:rPr lang="en-US" b="0" dirty="0" smtClean="0">
-                <a:latin typeface="Helvetica"/>
-                <a:cs typeface="Helvetica"/>
-              </a:rPr>
-              <a:t> idea</a:t>
-            </a:r>
-            <a:endParaRPr lang="en-US" b="0" dirty="0">
+              <a:t>Survey Package in R</a:t>
+            </a:r>
+            <a:endParaRPr lang="en-US" cap="none" dirty="0">
               <a:latin typeface="Helvetica"/>
               <a:cs typeface="Helvetica"/>
             </a:endParaRPr>
           </a:p>
         </p:txBody>
       </p:sp>
+      <p:sp>
+        <p:nvSpPr>
+          <p:cNvPr id="4" name="Content Placeholder 3"/>
+          <p:cNvSpPr>
+            <a:spLocks noGrp="1"/>
+          </p:cNvSpPr>
+          <p:nvPr>
+            <p:ph idx="1"/>
+          </p:nvPr>
+        </p:nvSpPr>
+        <p:spPr>
+          <a:xfrm>
+            <a:off x="5214002" y="2513790"/>
+            <a:ext cx="3241993" cy="2956220"/>
+          </a:xfrm>
+        </p:spPr>
+        <p:txBody>
+          <a:bodyPr>
+            <a:normAutofit/>
+          </a:bodyPr>
+          <a:lstStyle/>
+          <a:p>
+            <a:r>
+              <a:rPr lang="en-US" dirty="0" smtClean="0"/>
+              <a:t>Thomas Lumley</a:t>
+            </a:r>
+          </a:p>
+          <a:p>
+            <a:endParaRPr lang="en-US" dirty="0"/>
+          </a:p>
+          <a:p>
+            <a:r>
+              <a:rPr lang="en-US" dirty="0" smtClean="0"/>
+              <a:t>Created for complex survey </a:t>
+            </a:r>
+            <a:r>
+              <a:rPr lang="en-US" dirty="0" smtClean="0"/>
+              <a:t>designs</a:t>
+            </a:r>
+          </a:p>
+          <a:p>
+            <a:endParaRPr lang="en-US" dirty="0"/>
+          </a:p>
+          <a:p>
+            <a:r>
+              <a:rPr lang="en-US" dirty="0" smtClean="0"/>
+              <a:t>Weighting</a:t>
+            </a:r>
+            <a:endParaRPr lang="en-US" dirty="0"/>
+          </a:p>
+        </p:txBody>
+      </p:sp>
+      <p:sp>
+        <p:nvSpPr>
+          <p:cNvPr id="7" name="Content Placeholder 3"/>
+          <p:cNvSpPr txBox="1">
+            <a:spLocks/>
+          </p:cNvSpPr>
+          <p:nvPr/>
+        </p:nvSpPr>
+        <p:spPr>
+          <a:xfrm>
+            <a:off x="6082924" y="6606784"/>
+            <a:ext cx="2874386" cy="251216"/>
+          </a:xfrm>
+          <a:prstGeom prst="rect">
+            <a:avLst/>
+          </a:prstGeom>
+        </p:spPr>
+        <p:txBody>
+          <a:bodyPr vert="horz" lIns="91440" tIns="45720" rIns="91440" bIns="45720" rtlCol="0">
+            <a:normAutofit/>
+          </a:bodyPr>
+          <a:lstStyle>
+            <a:lvl1pPr marL="0" indent="0" algn="l" defTabSz="914400" rtl="0" eaLnBrk="1" latinLnBrk="0" hangingPunct="1">
+              <a:spcBef>
+                <a:spcPct val="20000"/>
+              </a:spcBef>
+              <a:spcAft>
+                <a:spcPts val="600"/>
+              </a:spcAft>
+              <a:buFont typeface="Arial" pitchFamily="34" charset="0"/>
+              <a:buNone/>
+              <a:defRPr sz="2000" b="1" kern="1200">
+                <a:solidFill>
+                  <a:schemeClr val="tx1"/>
+                </a:solidFill>
+                <a:latin typeface="+mn-lt"/>
+                <a:ea typeface="+mn-ea"/>
+                <a:cs typeface="+mn-cs"/>
+              </a:defRPr>
+            </a:lvl1pPr>
+            <a:lvl2pPr marL="457200" indent="-182880" algn="l" defTabSz="914400" rtl="0" eaLnBrk="1" latinLnBrk="0" hangingPunct="1">
+              <a:spcBef>
+                <a:spcPct val="20000"/>
+              </a:spcBef>
+              <a:buClr>
+                <a:schemeClr val="tx2"/>
+              </a:buClr>
+              <a:buFont typeface="Arial" pitchFamily="34" charset="0"/>
+              <a:buChar char="•"/>
+              <a:defRPr sz="2000" kern="1200">
+                <a:solidFill>
+                  <a:schemeClr val="tx1"/>
+                </a:solidFill>
+                <a:latin typeface="+mn-lt"/>
+                <a:ea typeface="+mn-ea"/>
+                <a:cs typeface="+mn-cs"/>
+              </a:defRPr>
+            </a:lvl2pPr>
+            <a:lvl3pPr marL="1143000" indent="-228600" algn="l" defTabSz="914400" rtl="0" eaLnBrk="1" latinLnBrk="0" hangingPunct="1">
+              <a:spcBef>
+                <a:spcPct val="20000"/>
+              </a:spcBef>
+              <a:buClr>
+                <a:schemeClr val="tx2"/>
+              </a:buClr>
+              <a:buFont typeface="Arial" pitchFamily="34" charset="0"/>
+              <a:buChar char="•"/>
+              <a:defRPr sz="1800" kern="1200">
+                <a:solidFill>
+                  <a:schemeClr val="tx1"/>
+                </a:solidFill>
+                <a:latin typeface="+mn-lt"/>
+                <a:ea typeface="+mn-ea"/>
+                <a:cs typeface="+mn-cs"/>
+              </a:defRPr>
+            </a:lvl3pPr>
+            <a:lvl4pPr marL="1600200" indent="-228600" algn="l" defTabSz="914400" rtl="0" eaLnBrk="1" latinLnBrk="0" hangingPunct="1">
+              <a:spcBef>
+                <a:spcPct val="20000"/>
+              </a:spcBef>
+              <a:buClr>
+                <a:schemeClr val="tx2"/>
+              </a:buClr>
+              <a:buFont typeface="Arial" pitchFamily="34" charset="0"/>
+              <a:buChar char="•"/>
+              <a:defRPr sz="1800" kern="1200">
+                <a:solidFill>
+                  <a:schemeClr val="tx1"/>
+                </a:solidFill>
+                <a:latin typeface="+mn-lt"/>
+                <a:ea typeface="+mn-ea"/>
+                <a:cs typeface="+mn-cs"/>
+              </a:defRPr>
+            </a:lvl4pPr>
+            <a:lvl5pPr marL="2057400" indent="-228600" algn="l" defTabSz="914400" rtl="0" eaLnBrk="1" latinLnBrk="0" hangingPunct="1">
+              <a:spcBef>
+                <a:spcPct val="20000"/>
+              </a:spcBef>
+              <a:buClr>
+                <a:schemeClr val="tx2"/>
+              </a:buClr>
+              <a:buFont typeface="Arial" pitchFamily="34" charset="0"/>
+              <a:buChar char="•"/>
+              <a:defRPr sz="1800" kern="1200" baseline="0">
+                <a:solidFill>
+                  <a:schemeClr val="tx1"/>
+                </a:solidFill>
+                <a:latin typeface="+mn-lt"/>
+                <a:ea typeface="+mn-ea"/>
+                <a:cs typeface="+mn-cs"/>
+              </a:defRPr>
+            </a:lvl5pPr>
+            <a:lvl6pPr marL="2514600" indent="-228600" algn="l" defTabSz="914400" rtl="0" eaLnBrk="1" latinLnBrk="0" hangingPunct="1">
+              <a:spcBef>
+                <a:spcPct val="20000"/>
+              </a:spcBef>
+              <a:buClr>
+                <a:schemeClr val="tx2"/>
+              </a:buClr>
+              <a:buFont typeface="Arial" pitchFamily="34" charset="0"/>
+              <a:buChar char="•"/>
+              <a:defRPr sz="1600" kern="1200">
+                <a:solidFill>
+                  <a:schemeClr val="tx1"/>
+                </a:solidFill>
+                <a:latin typeface="+mn-lt"/>
+                <a:ea typeface="+mn-ea"/>
+                <a:cs typeface="+mn-cs"/>
+              </a:defRPr>
+            </a:lvl6pPr>
+            <a:lvl7pPr marL="2971800" indent="-228600" algn="l" defTabSz="914400" rtl="0" eaLnBrk="1" latinLnBrk="0" hangingPunct="1">
+              <a:spcBef>
+                <a:spcPct val="20000"/>
+              </a:spcBef>
+              <a:buClr>
+                <a:schemeClr val="tx2"/>
+              </a:buClr>
+              <a:buFont typeface="Arial" pitchFamily="34" charset="0"/>
+              <a:buChar char="•"/>
+              <a:defRPr sz="1600" kern="1200">
+                <a:solidFill>
+                  <a:schemeClr val="tx1"/>
+                </a:solidFill>
+                <a:latin typeface="+mn-lt"/>
+                <a:ea typeface="+mn-ea"/>
+                <a:cs typeface="+mn-cs"/>
+              </a:defRPr>
+            </a:lvl7pPr>
+            <a:lvl8pPr marL="3429000" indent="-228600" algn="l" defTabSz="914400" rtl="0" eaLnBrk="1" latinLnBrk="0" hangingPunct="1">
+              <a:spcBef>
+                <a:spcPct val="20000"/>
+              </a:spcBef>
+              <a:buClr>
+                <a:schemeClr val="tx2"/>
+              </a:buClr>
+              <a:buFont typeface="Arial" pitchFamily="34" charset="0"/>
+              <a:buChar char="•"/>
+              <a:defRPr sz="1600" kern="1200">
+                <a:solidFill>
+                  <a:schemeClr val="tx1"/>
+                </a:solidFill>
+                <a:latin typeface="+mn-lt"/>
+                <a:ea typeface="+mn-ea"/>
+                <a:cs typeface="+mn-cs"/>
+              </a:defRPr>
+            </a:lvl8pPr>
+            <a:lvl9pPr marL="3886200" indent="-228600" algn="l" defTabSz="914400" rtl="0" eaLnBrk="1" latinLnBrk="0" hangingPunct="1">
+              <a:spcBef>
+                <a:spcPct val="20000"/>
+              </a:spcBef>
+              <a:buClr>
+                <a:schemeClr val="tx2"/>
+              </a:buClr>
+              <a:buFont typeface="Arial" pitchFamily="34" charset="0"/>
+              <a:buChar char="•"/>
+              <a:defRPr sz="1600" kern="1200">
+                <a:solidFill>
+                  <a:schemeClr val="tx1"/>
+                </a:solidFill>
+                <a:latin typeface="+mn-lt"/>
+                <a:ea typeface="+mn-ea"/>
+                <a:cs typeface="+mn-cs"/>
+              </a:defRPr>
+            </a:lvl9pPr>
+          </a:lstStyle>
+          <a:p>
+            <a:r>
+              <a:rPr lang="en-US" sz="1000" b="0" dirty="0"/>
+              <a:t>https://</a:t>
+            </a:r>
+            <a:r>
+              <a:rPr lang="en-US" sz="1000" b="0" dirty="0" err="1"/>
+              <a:t>www.stat.auckland.ac.nz</a:t>
+            </a:r>
+            <a:r>
+              <a:rPr lang="en-US" sz="1000" b="0" dirty="0"/>
+              <a:t>/people/tlum005</a:t>
+            </a:r>
+          </a:p>
+        </p:txBody>
+      </p:sp>
       <p:pic>
         <p:nvPicPr>
-          <p:cNvPr id="4" name="Picture 3" descr="Rplot6.jpeg"/>
+          <p:cNvPr id="9" name="Picture 8" descr="TL.survey.png"/>
           <p:cNvPicPr>
             <a:picLocks noChangeAspect="1"/>
           </p:cNvPicPr>
@@ -4649,60 +4571,31 @@
         </p:blipFill>
         <p:spPr>
           <a:xfrm>
-            <a:off x="3137006" y="1922211"/>
-            <a:ext cx="5508375" cy="3611660"/>
+            <a:off x="1697693" y="2493266"/>
+            <a:ext cx="2540000" cy="2540000"/>
           </a:xfrm>
           <a:prstGeom prst="rect">
             <a:avLst/>
           </a:prstGeom>
         </p:spPr>
       </p:pic>
-      <p:sp>
-        <p:nvSpPr>
-          <p:cNvPr id="6" name="Title 1"/>
-          <p:cNvSpPr>
-            <a:spLocks noGrp="1"/>
-          </p:cNvSpPr>
-          <p:nvPr>
-            <p:ph type="title"/>
-          </p:nvPr>
-        </p:nvSpPr>
-        <p:spPr>
-          <a:xfrm>
-            <a:off x="457199" y="607710"/>
-            <a:ext cx="7542319" cy="776216"/>
-          </a:xfrm>
-        </p:spPr>
-        <p:txBody>
-          <a:bodyPr>
-            <a:normAutofit/>
-          </a:bodyPr>
-          <a:lstStyle/>
-          <a:p>
-            <a:r>
-              <a:rPr lang="en-US" cap="none" dirty="0" smtClean="0">
-                <a:latin typeface="Helvetica"/>
-                <a:cs typeface="Helvetica"/>
-              </a:rPr>
-              <a:t>CKD in the U.S.</a:t>
-            </a:r>
-            <a:endParaRPr lang="en-US" cap="none" dirty="0">
-              <a:latin typeface="Helvetica"/>
-              <a:cs typeface="Helvetica"/>
-            </a:endParaRPr>
-          </a:p>
-        </p:txBody>
-      </p:sp>
     </p:spTree>
     <p:extLst>
       <p:ext uri="{BB962C8B-B14F-4D97-AF65-F5344CB8AC3E}">
-        <p14:creationId xmlns:p14="http://schemas.microsoft.com/office/powerpoint/2010/main" val="3297976088"/>
+        <p14:creationId xmlns:p14="http://schemas.microsoft.com/office/powerpoint/2010/main" val="1059733425"/>
       </p:ext>
     </p:extLst>
   </p:cSld>
   <p:clrMapOvr>
     <a:masterClrMapping/>
   </p:clrMapOvr>
+  <p:timing>
+    <p:tnLst>
+      <p:par>
+        <p:cTn xmlns:p14="http://schemas.microsoft.com/office/powerpoint/2010/main" id="1" dur="indefinite" restart="never" nodeType="tmRoot"/>
+      </p:par>
+    </p:tnLst>
+  </p:timing>
 </p:sld>
 </file>
 
@@ -4725,18 +4618,81 @@
       </p:grpSpPr>
       <p:sp>
         <p:nvSpPr>
-          <p:cNvPr id="2" name="Title 1"/>
-          <p:cNvSpPr>
-            <a:spLocks noGrp="1"/>
-          </p:cNvSpPr>
-          <p:nvPr>
-            <p:ph type="title"/>
+          <p:cNvPr id="3" name="Content Placeholder 2"/>
+          <p:cNvSpPr>
+            <a:spLocks noGrp="1"/>
+          </p:cNvSpPr>
+          <p:nvPr>
+            <p:ph idx="1"/>
           </p:nvPr>
         </p:nvSpPr>
         <p:spPr>
           <a:xfrm>
-            <a:off x="457199" y="152718"/>
-            <a:ext cx="7542319" cy="1447482"/>
+            <a:off x="457199" y="3184917"/>
+            <a:ext cx="2372622" cy="1583928"/>
+          </a:xfrm>
+        </p:spPr>
+        <p:txBody>
+          <a:bodyPr/>
+          <a:lstStyle/>
+          <a:p>
+            <a:pPr marL="0" indent="0">
+              <a:buNone/>
+            </a:pPr>
+            <a:r>
+              <a:rPr lang="en-US" dirty="0" smtClean="0">
+                <a:latin typeface="Helvetica"/>
+                <a:cs typeface="Helvetica"/>
+              </a:rPr>
+              <a:t>Clear</a:t>
+            </a:r>
+            <a:r>
+              <a:rPr lang="en-US" b="0" dirty="0" smtClean="0">
+                <a:latin typeface="Helvetica"/>
+                <a:cs typeface="Helvetica"/>
+              </a:rPr>
+              <a:t> and </a:t>
+            </a:r>
+          </a:p>
+          <a:p>
+            <a:pPr marL="0" indent="0">
+              <a:buNone/>
+            </a:pPr>
+            <a:r>
+              <a:rPr lang="en-US" dirty="0" smtClean="0">
+                <a:latin typeface="Helvetica"/>
+                <a:cs typeface="Helvetica"/>
+              </a:rPr>
+              <a:t>Immediate</a:t>
+            </a:r>
+            <a:r>
+              <a:rPr lang="en-US" b="0" dirty="0" smtClean="0">
+                <a:latin typeface="Helvetica"/>
+                <a:cs typeface="Helvetica"/>
+              </a:rPr>
+              <a:t> idea</a:t>
+            </a:r>
+            <a:endParaRPr lang="en-US" b="0" dirty="0">
+              <a:latin typeface="Helvetica"/>
+              <a:cs typeface="Helvetica"/>
+            </a:endParaRPr>
+          </a:p>
+        </p:txBody>
+      </p:sp>
+      <p:sp>
+        <p:nvSpPr>
+          <p:cNvPr id="6" name="Title 1"/>
+          <p:cNvSpPr>
+            <a:spLocks noGrp="1"/>
+          </p:cNvSpPr>
+          <p:nvPr>
+            <p:ph type="title"/>
+          </p:nvPr>
+        </p:nvSpPr>
+        <p:spPr>
+          <a:xfrm>
+            <a:off x="457199" y="607710"/>
+            <a:ext cx="7542319" cy="776216"/>
           </a:xfrm>
         </p:spPr>
         <p:txBody>
@@ -4750,7 +4706,7 @@
                 <a:latin typeface="Helvetica"/>
                 <a:cs typeface="Helvetica"/>
               </a:rPr>
-              <a:t>Broad Public Health Survey</a:t>
+              <a:t>CKD in the U.S.</a:t>
             </a:r>
             <a:endParaRPr lang="en-US" cap="none" dirty="0">
               <a:latin typeface="Helvetica"/>
@@ -4759,104 +4715,53 @@
           </a:p>
         </p:txBody>
       </p:sp>
-      <p:sp>
-        <p:nvSpPr>
-          <p:cNvPr id="3" name="Content Placeholder 2"/>
-          <p:cNvSpPr>
-            <a:spLocks noGrp="1"/>
-          </p:cNvSpPr>
-          <p:nvPr>
-            <p:ph idx="1"/>
-          </p:nvPr>
-        </p:nvSpPr>
+      <p:pic>
+        <p:nvPicPr>
+          <p:cNvPr id="5" name="Picture 4" descr="Screen Shot 2016-07-17 at 6.55.28 PM.jpg"/>
+          <p:cNvPicPr>
+            <a:picLocks noChangeAspect="1"/>
+          </p:cNvPicPr>
+          <p:nvPr/>
+        </p:nvPicPr>
+        <p:blipFill>
+          <a:blip r:embed="rId3">
+            <a:extLst>
+              <a:ext uri="{28A0092B-C50C-407E-A947-70E740481C1C}">
+                <a14:useLocalDpi xmlns:a14="http://schemas.microsoft.com/office/drawing/2010/main" val="0"/>
+              </a:ext>
+            </a:extLst>
+          </a:blip>
+          <a:stretch>
+            <a:fillRect/>
+          </a:stretch>
+        </p:blipFill>
         <p:spPr>
           <a:xfrm>
-            <a:off x="741540" y="1600200"/>
-            <a:ext cx="8229600" cy="4525963"/>
+            <a:off x="2796894" y="1921026"/>
+            <a:ext cx="5790053" cy="3895186"/>
           </a:xfrm>
+          <a:prstGeom prst="rect">
+            <a:avLst/>
+          </a:prstGeom>
         </p:spPr>
-        <p:txBody>
-          <a:bodyPr/>
-          <a:lstStyle/>
-          <a:p>
-            <a:pPr marL="0" indent="0">
-              <a:buNone/>
-            </a:pPr>
-            <a:endParaRPr lang="en-US" b="0" dirty="0" smtClean="0">
-              <a:latin typeface="Helvetica"/>
-              <a:cs typeface="Helvetica"/>
-            </a:endParaRPr>
-          </a:p>
-          <a:p>
-            <a:pPr marL="0" indent="0">
-              <a:buNone/>
-            </a:pPr>
-            <a:r>
-              <a:rPr lang="en-US" b="0" dirty="0" smtClean="0">
-                <a:latin typeface="Helvetica"/>
-                <a:cs typeface="Helvetica"/>
-              </a:rPr>
-              <a:t>Where have we been?</a:t>
-            </a:r>
-          </a:p>
-          <a:p>
-            <a:pPr marL="0" indent="0">
-              <a:buNone/>
-            </a:pPr>
-            <a:endParaRPr lang="en-US" b="0" dirty="0" smtClean="0">
-              <a:latin typeface="Helvetica"/>
-              <a:cs typeface="Helvetica"/>
-            </a:endParaRPr>
-          </a:p>
-          <a:p>
-            <a:pPr marL="0" indent="0">
-              <a:buNone/>
-            </a:pPr>
-            <a:r>
-              <a:rPr lang="en-US" b="0" dirty="0" smtClean="0">
-                <a:latin typeface="Helvetica"/>
-                <a:cs typeface="Helvetica"/>
-              </a:rPr>
-              <a:t>Where are we now?</a:t>
-            </a:r>
-          </a:p>
-          <a:p>
-            <a:pPr marL="0" indent="0">
-              <a:buNone/>
-            </a:pPr>
-            <a:endParaRPr lang="en-US" dirty="0" smtClean="0">
-              <a:latin typeface="Helvetica"/>
-              <a:cs typeface="Helvetica"/>
-            </a:endParaRPr>
-          </a:p>
-          <a:p>
-            <a:pPr marL="0" indent="0">
-              <a:buNone/>
-            </a:pPr>
-            <a:r>
-              <a:rPr lang="en-US" dirty="0" smtClean="0">
-                <a:latin typeface="Helvetica"/>
-                <a:cs typeface="Helvetica"/>
-              </a:rPr>
-              <a:t>Who and what do we need to look at?</a:t>
-            </a:r>
-            <a:endParaRPr lang="en-US" dirty="0">
-              <a:latin typeface="Helvetica"/>
-              <a:cs typeface="Helvetica"/>
-            </a:endParaRPr>
-          </a:p>
-        </p:txBody>
-      </p:sp>
+      </p:pic>
     </p:spTree>
     <p:extLst>
       <p:ext uri="{BB962C8B-B14F-4D97-AF65-F5344CB8AC3E}">
-        <p14:creationId xmlns:p14="http://schemas.microsoft.com/office/powerpoint/2010/main" val="2321018955"/>
+        <p14:creationId xmlns:p14="http://schemas.microsoft.com/office/powerpoint/2010/main" val="3297976088"/>
       </p:ext>
     </p:extLst>
   </p:cSld>
   <p:clrMapOvr>
     <a:masterClrMapping/>
   </p:clrMapOvr>
+  <p:timing>
+    <p:tnLst>
+      <p:par>
+        <p:cTn xmlns:p14="http://schemas.microsoft.com/office/powerpoint/2010/main" id="1" dur="indefinite" restart="never" nodeType="tmRoot"/>
+      </p:par>
+    </p:tnLst>
+  </p:timing>
 </p:sld>
 </file>
 
@@ -4902,21 +4807,7 @@
                 <a:latin typeface="Helvetica"/>
                 <a:cs typeface="Helvetica"/>
               </a:rPr>
-              <a:t>Multiple </a:t>
-            </a:r>
-            <a:r>
-              <a:rPr lang="en-US" cap="none" dirty="0" smtClean="0">
-                <a:latin typeface="Helvetica"/>
-                <a:cs typeface="Helvetica"/>
-              </a:rPr>
-              <a:t>Linear </a:t>
-            </a:r>
-            <a:r>
-              <a:rPr lang="en-US" cap="none" dirty="0" smtClean="0">
-                <a:latin typeface="Helvetica"/>
-                <a:cs typeface="Helvetica"/>
-              </a:rPr>
-              <a:t>Regression Model</a:t>
+              <a:t>Multiple Linear Regression Model</a:t>
             </a:r>
             <a:endParaRPr lang="en-US" cap="none" dirty="0">
               <a:latin typeface="Helvetica"/>
@@ -4942,6 +4833,42 @@
           </a:bodyPr>
           <a:lstStyle/>
           <a:p>
+            <a:pPr marL="0" indent="0">
+              <a:buNone/>
+            </a:pPr>
+            <a:endParaRPr lang="en-US" b="0" dirty="0">
+              <a:latin typeface="Helvetica"/>
+              <a:cs typeface="Helvetica"/>
+            </a:endParaRPr>
+          </a:p>
+          <a:p>
+            <a:pPr marL="0" indent="0">
+              <a:buNone/>
+            </a:pPr>
+            <a:endParaRPr lang="en-US" b="0" dirty="0" smtClean="0">
+              <a:latin typeface="Helvetica"/>
+              <a:cs typeface="Helvetica"/>
+            </a:endParaRPr>
+          </a:p>
+          <a:p>
+            <a:pPr marL="0" indent="0">
+              <a:buNone/>
+            </a:pPr>
+            <a:endParaRPr lang="en-US" b="0" dirty="0">
+              <a:latin typeface="Helvetica"/>
+              <a:cs typeface="Helvetica"/>
+            </a:endParaRPr>
+          </a:p>
+          <a:p>
+            <a:pPr marL="0" indent="0">
+              <a:buNone/>
+            </a:pPr>
+            <a:endParaRPr lang="en-US" b="0" dirty="0" smtClean="0">
+              <a:latin typeface="Helvetica"/>
+              <a:cs typeface="Helvetica"/>
+            </a:endParaRPr>
+          </a:p>
+          <a:p>
             <a:pPr marL="0" indent="0" algn="ctr">
               <a:buNone/>
             </a:pPr>
@@ -4950,7 +4877,14 @@
                 <a:latin typeface="Helvetica"/>
                 <a:cs typeface="Helvetica"/>
               </a:rPr>
-              <a:t>Y=</a:t>
+              <a:t>Y</a:t>
+            </a:r>
+            <a:r>
+              <a:rPr lang="en-US" b="0" dirty="0" smtClean="0">
+                <a:latin typeface="Helvetica"/>
+                <a:cs typeface="Helvetica"/>
+              </a:rPr>
+              <a:t>=</a:t>
             </a:r>
             <a:r>
               <a:rPr lang="en-US" b="0" dirty="0" err="1" smtClean="0">

--- a/CKD.pptx
+++ b/CKD.pptx
@@ -4183,7 +4183,35 @@
                 <a:latin typeface="Helvetica"/>
                 <a:cs typeface="Helvetica"/>
               </a:rPr>
-              <a:t>Predicting CKD And Potential Risk Factors With Multiple Linear Regression</a:t>
+              <a:t>Predicting CKD </a:t>
+            </a:r>
+            <a:r>
+              <a:rPr lang="en-US" sz="3200" cap="none" dirty="0" smtClean="0">
+                <a:latin typeface="Helvetica"/>
+                <a:cs typeface="Helvetica"/>
+              </a:rPr>
+              <a:t>and </a:t>
+            </a:r>
+            <a:r>
+              <a:rPr lang="en-US" sz="3200" cap="none" dirty="0" smtClean="0">
+                <a:latin typeface="Helvetica"/>
+                <a:cs typeface="Helvetica"/>
+              </a:rPr>
+              <a:t>Potential Risk Factors </a:t>
+            </a:r>
+            <a:r>
+              <a:rPr lang="en-US" sz="3200" cap="none" dirty="0" smtClean="0">
+                <a:latin typeface="Helvetica"/>
+                <a:cs typeface="Helvetica"/>
+              </a:rPr>
+              <a:t>with </a:t>
+            </a:r>
+            <a:r>
+              <a:rPr lang="en-US" sz="3200" cap="none" dirty="0" smtClean="0">
+                <a:latin typeface="Helvetica"/>
+                <a:cs typeface="Helvetica"/>
+              </a:rPr>
+              <a:t>Multiple Linear Regression</a:t>
             </a:r>
             <a:endParaRPr lang="en-US" sz="3200" cap="none" dirty="0">
               <a:latin typeface="Helvetica"/>
@@ -4319,32 +4347,28 @@
           <a:lstStyle/>
           <a:p>
             <a:r>
-              <a:rPr lang="en-US" dirty="0" smtClean="0"/>
+              <a:rPr lang="en-US" b="0" dirty="0" smtClean="0"/>
               <a:t>Thomas Lumley</a:t>
             </a:r>
           </a:p>
           <a:p>
-            <a:endParaRPr lang="en-US" dirty="0"/>
-          </a:p>
-          <a:p>
-            <a:r>
-              <a:rPr lang="en-US" dirty="0" smtClean="0"/>
-              <a:t>Created for complex survey </a:t>
-            </a:r>
-            <a:r>
-              <a:rPr lang="en-US" dirty="0" smtClean="0"/>
-              <a:t>designs</a:t>
-            </a:r>
-          </a:p>
-          <a:p>
-            <a:endParaRPr lang="en-US" dirty="0"/>
-          </a:p>
-          <a:p>
-            <a:r>
-              <a:rPr lang="en-US" dirty="0" smtClean="0"/>
+            <a:endParaRPr lang="en-US" b="0" dirty="0"/>
+          </a:p>
+          <a:p>
+            <a:r>
+              <a:rPr lang="en-US" b="0" dirty="0" smtClean="0"/>
+              <a:t>Created for complex survey designs</a:t>
+            </a:r>
+          </a:p>
+          <a:p>
+            <a:endParaRPr lang="en-US" b="0" dirty="0"/>
+          </a:p>
+          <a:p>
+            <a:r>
+              <a:rPr lang="en-US" b="0" dirty="0" smtClean="0"/>
               <a:t>Weighting</a:t>
             </a:r>
-            <a:endParaRPr lang="en-US" dirty="0"/>
+            <a:endParaRPr lang="en-US" b="0" dirty="0"/>
           </a:p>
         </p:txBody>
       </p:sp>
@@ -4877,14 +4901,7 @@
                 <a:latin typeface="Helvetica"/>
                 <a:cs typeface="Helvetica"/>
               </a:rPr>
-              <a:t>Y</a:t>
-            </a:r>
-            <a:r>
-              <a:rPr lang="en-US" b="0" dirty="0" smtClean="0">
-                <a:latin typeface="Helvetica"/>
-                <a:cs typeface="Helvetica"/>
-              </a:rPr>
-              <a:t>=</a:t>
+              <a:t>Y=</a:t>
             </a:r>
             <a:r>
               <a:rPr lang="en-US" b="0" dirty="0" err="1" smtClean="0">
